--- a/Agile Business Analysis/08-Advanced Topics.pptx
+++ b/Agile Business Analysis/08-Advanced Topics.pptx
@@ -198,6 +198,34 @@
         </p14:section>
       </p14:sectionLst>
     </p:ext>
+    <p:ext uri="{EFAFB233-063F-42B5-8137-9DF3F51BA10A}">
+      <p15:sldGuideLst xmlns:p15="http://schemas.microsoft.com/office/powerpoint/2012/main">
+        <p15:guide id="1" orient="horz" pos="2160">
+          <p15:clr>
+            <a:srgbClr val="A4A3A4"/>
+          </p15:clr>
+        </p15:guide>
+        <p15:guide id="2" pos="2880">
+          <p15:clr>
+            <a:srgbClr val="A4A3A4"/>
+          </p15:clr>
+        </p15:guide>
+      </p15:sldGuideLst>
+    </p:ext>
+    <p:ext uri="{2D200454-40CA-4A62-9FC3-DE9A4176ACB9}">
+      <p15:notesGuideLst xmlns:p15="http://schemas.microsoft.com/office/powerpoint/2012/main">
+        <p15:guide id="1" orient="horz" pos="2921">
+          <p15:clr>
+            <a:srgbClr val="A4A3A4"/>
+          </p15:clr>
+        </p15:guide>
+        <p15:guide id="2" pos="2200">
+          <p15:clr>
+            <a:srgbClr val="A4A3A4"/>
+          </p15:clr>
+        </p15:guide>
+      </p15:notesGuideLst>
+    </p:ext>
   </p:extLst>
 </p:presentation>
 </file>
@@ -343,7 +371,7 @@
             <a:fld id="{3645A85B-5EE2-224D-892B-EBDEE738041D}" type="datetime1">
               <a:rPr lang="en-US"/>
               <a:pPr/>
-              <a:t>9/23/15</a:t>
+              <a:t>10/5/15</a:t>
             </a:fld>
             <a:endParaRPr lang="en-US"/>
           </a:p>
@@ -586,7 +614,7 @@
             <a:fld id="{357A0049-9727-1C49-9F90-B954D42273FA}" type="datetime1">
               <a:rPr lang="en-US"/>
               <a:pPr/>
-              <a:t>9/23/15</a:t>
+              <a:t>10/5/15</a:t>
             </a:fld>
             <a:endParaRPr lang="en-US"/>
           </a:p>
@@ -1036,6 +1064,11 @@
         </p:txBody>
       </p:sp>
     </p:spTree>
+    <p:extLst>
+      <p:ext uri="{BB962C8B-B14F-4D97-AF65-F5344CB8AC3E}">
+        <p14:creationId xmlns:p14="http://schemas.microsoft.com/office/powerpoint/2010/main" val="1796122003"/>
+      </p:ext>
+    </p:extLst>
   </p:cSld>
   <p:clrMapOvr>
     <a:masterClrMapping/>
@@ -1128,6 +1161,11 @@
         </p:txBody>
       </p:sp>
     </p:spTree>
+    <p:extLst>
+      <p:ext uri="{BB962C8B-B14F-4D97-AF65-F5344CB8AC3E}">
+        <p14:creationId xmlns:p14="http://schemas.microsoft.com/office/powerpoint/2010/main" val="960161155"/>
+      </p:ext>
+    </p:extLst>
   </p:cSld>
   <p:clrMapOvr>
     <a:masterClrMapping/>
@@ -1457,6 +1495,11 @@
         </p:txBody>
       </p:sp>
     </p:spTree>
+    <p:extLst>
+      <p:ext uri="{BB962C8B-B14F-4D97-AF65-F5344CB8AC3E}">
+        <p14:creationId xmlns:p14="http://schemas.microsoft.com/office/powerpoint/2010/main" val="244878542"/>
+      </p:ext>
+    </p:extLst>
   </p:cSld>
   <p:clrMapOvr>
     <a:masterClrMapping/>
@@ -1867,6 +1910,11 @@
         </p:txBody>
       </p:sp>
     </p:spTree>
+    <p:extLst>
+      <p:ext uri="{BB962C8B-B14F-4D97-AF65-F5344CB8AC3E}">
+        <p14:creationId xmlns:p14="http://schemas.microsoft.com/office/powerpoint/2010/main" val="1094987742"/>
+      </p:ext>
+    </p:extLst>
   </p:cSld>
   <p:clrMapOvr>
     <a:masterClrMapping/>
@@ -2073,6 +2121,11 @@
         </p:txBody>
       </p:sp>
     </p:spTree>
+    <p:extLst>
+      <p:ext uri="{BB962C8B-B14F-4D97-AF65-F5344CB8AC3E}">
+        <p14:creationId xmlns:p14="http://schemas.microsoft.com/office/powerpoint/2010/main" val="1671608651"/>
+      </p:ext>
+    </p:extLst>
   </p:cSld>
   <p:clrMapOvr>
     <a:masterClrMapping/>
@@ -2184,6 +2237,11 @@
         </p:txBody>
       </p:sp>
     </p:spTree>
+    <p:extLst>
+      <p:ext uri="{BB962C8B-B14F-4D97-AF65-F5344CB8AC3E}">
+        <p14:creationId xmlns:p14="http://schemas.microsoft.com/office/powerpoint/2010/main" val="1274578611"/>
+      </p:ext>
+    </p:extLst>
   </p:cSld>
   <p:clrMapOvr>
     <a:masterClrMapping/>
@@ -2356,6 +2414,11 @@
         </p:txBody>
       </p:sp>
     </p:spTree>
+    <p:extLst>
+      <p:ext uri="{BB962C8B-B14F-4D97-AF65-F5344CB8AC3E}">
+        <p14:creationId xmlns:p14="http://schemas.microsoft.com/office/powerpoint/2010/main" val="693336252"/>
+      </p:ext>
+    </p:extLst>
   </p:cSld>
   <p:clrMapOvr>
     <a:masterClrMapping/>
@@ -2515,6 +2578,11 @@
         </p:txBody>
       </p:sp>
     </p:spTree>
+    <p:extLst>
+      <p:ext uri="{BB962C8B-B14F-4D97-AF65-F5344CB8AC3E}">
+        <p14:creationId xmlns:p14="http://schemas.microsoft.com/office/powerpoint/2010/main" val="656118742"/>
+      </p:ext>
+    </p:extLst>
   </p:cSld>
   <p:clrMapOvr>
     <a:masterClrMapping/>
@@ -2696,6 +2764,11 @@
         </p:txBody>
       </p:sp>
     </p:spTree>
+    <p:extLst>
+      <p:ext uri="{BB962C8B-B14F-4D97-AF65-F5344CB8AC3E}">
+        <p14:creationId xmlns:p14="http://schemas.microsoft.com/office/powerpoint/2010/main" val="59169449"/>
+      </p:ext>
+    </p:extLst>
   </p:cSld>
   <p:clrMapOvr>
     <a:masterClrMapping/>
@@ -2877,6 +2950,11 @@
         </p:txBody>
       </p:sp>
     </p:spTree>
+    <p:extLst>
+      <p:ext uri="{BB962C8B-B14F-4D97-AF65-F5344CB8AC3E}">
+        <p14:creationId xmlns:p14="http://schemas.microsoft.com/office/powerpoint/2010/main" val="176000782"/>
+      </p:ext>
+    </p:extLst>
   </p:cSld>
   <p:clrMapOvr>
     <a:masterClrMapping/>
@@ -3438,11 +3516,11 @@
   <p:clrMapOvr>
     <a:masterClrMapping/>
   </p:clrMapOvr>
-  <p:transition xmlns:p14="http://schemas.microsoft.com/office/powerpoint/2010/main"/>
+  <p:transition/>
   <p:timing>
     <p:tnLst>
       <p:par>
-        <p:cTn xmlns:p14="http://schemas.microsoft.com/office/powerpoint/2010/main" id="1" dur="indefinite" restart="never" nodeType="tmRoot"/>
+        <p:cTn id="1" dur="indefinite" restart="never" nodeType="tmRoot"/>
       </p:par>
     </p:tnLst>
   </p:timing>
@@ -3592,7 +3670,7 @@
   <p:clrMapOvr>
     <a:masterClrMapping/>
   </p:clrMapOvr>
-  <p:transition xmlns:p14="http://schemas.microsoft.com/office/powerpoint/2010/main" spd="med">
+  <p:transition spd="med">
     <p:fade/>
   </p:transition>
 </p:sldLayout>
@@ -3961,13 +4039,13 @@
   <p:clrMapOvr>
     <a:masterClrMapping/>
   </p:clrMapOvr>
-  <p:transition xmlns:p14="http://schemas.microsoft.com/office/powerpoint/2010/main" spd="med">
+  <p:transition spd="med">
     <p:fade/>
   </p:transition>
   <p:timing>
     <p:tnLst>
       <p:par>
-        <p:cTn xmlns:p14="http://schemas.microsoft.com/office/powerpoint/2010/main" id="1" dur="indefinite" restart="never" nodeType="tmRoot"/>
+        <p:cTn id="1" dur="indefinite" restart="never" nodeType="tmRoot"/>
       </p:par>
     </p:tnLst>
   </p:timing>
@@ -4376,13 +4454,13 @@
   <p:clrMapOvr>
     <a:masterClrMapping/>
   </p:clrMapOvr>
-  <p:transition xmlns:p14="http://schemas.microsoft.com/office/powerpoint/2010/main" spd="med">
+  <p:transition spd="med">
     <p:fade/>
   </p:transition>
   <p:timing>
     <p:tnLst>
       <p:par>
-        <p:cTn xmlns:p14="http://schemas.microsoft.com/office/powerpoint/2010/main" id="1" dur="indefinite" restart="never" nodeType="tmRoot"/>
+        <p:cTn id="1" dur="indefinite" restart="never" nodeType="tmRoot"/>
       </p:par>
     </p:tnLst>
   </p:timing>
@@ -4743,13 +4821,13 @@
   <p:clrMapOvr>
     <a:masterClrMapping/>
   </p:clrMapOvr>
-  <p:transition xmlns:p14="http://schemas.microsoft.com/office/powerpoint/2010/main" spd="med">
+  <p:transition spd="med">
     <p:fade/>
   </p:transition>
   <p:timing>
     <p:tnLst>
       <p:par>
-        <p:cTn xmlns:p14="http://schemas.microsoft.com/office/powerpoint/2010/main" id="1" dur="indefinite" restart="never" nodeType="tmRoot"/>
+        <p:cTn id="1" dur="indefinite" restart="never" nodeType="tmRoot"/>
       </p:par>
     </p:tnLst>
   </p:timing>
@@ -4806,13 +4884,13 @@
   <p:clrMapOvr>
     <a:masterClrMapping/>
   </p:clrMapOvr>
-  <p:transition xmlns:p14="http://schemas.microsoft.com/office/powerpoint/2010/main" spd="med">
+  <p:transition spd="med">
     <p:fade/>
   </p:transition>
   <p:timing>
     <p:tnLst>
       <p:par>
-        <p:cTn xmlns:p14="http://schemas.microsoft.com/office/powerpoint/2010/main" id="1" dur="indefinite" restart="never" nodeType="tmRoot"/>
+        <p:cTn id="1" dur="indefinite" restart="never" nodeType="tmRoot"/>
       </p:par>
     </p:tnLst>
   </p:timing>
@@ -4846,13 +4924,13 @@
   <p:clrMapOvr>
     <a:masterClrMapping/>
   </p:clrMapOvr>
-  <p:transition xmlns:p14="http://schemas.microsoft.com/office/powerpoint/2010/main" spd="med">
+  <p:transition spd="med">
     <p:fade/>
   </p:transition>
   <p:timing>
     <p:tnLst>
       <p:par>
-        <p:cTn xmlns:p14="http://schemas.microsoft.com/office/powerpoint/2010/main" id="1" dur="indefinite" restart="never" nodeType="tmRoot"/>
+        <p:cTn id="1" dur="indefinite" restart="never" nodeType="tmRoot"/>
       </p:par>
     </p:tnLst>
   </p:timing>
@@ -5453,13 +5531,13 @@
   <p:sldLayoutIdLst>
     <p:sldLayoutId id="2147483689" r:id="rId1"/>
   </p:sldLayoutIdLst>
-  <p:transition xmlns:p14="http://schemas.microsoft.com/office/powerpoint/2010/main" spd="med">
+  <p:transition spd="med">
     <p:fade/>
   </p:transition>
   <p:timing>
     <p:tnLst>
       <p:par>
-        <p:cTn xmlns:p14="http://schemas.microsoft.com/office/powerpoint/2010/main" id="1" dur="indefinite" restart="never" nodeType="tmRoot"/>
+        <p:cTn id="1" dur="indefinite" restart="never" nodeType="tmRoot"/>
       </p:par>
     </p:tnLst>
   </p:timing>
@@ -6085,13 +6163,13 @@
     <p:sldLayoutId id="2147483728" r:id="rId12"/>
     <p:sldLayoutId id="2147483729" r:id="rId13"/>
   </p:sldLayoutIdLst>
-  <p:transition xmlns:p14="http://schemas.microsoft.com/office/powerpoint/2010/main" spd="med">
+  <p:transition spd="med">
     <p:fade/>
   </p:transition>
   <p:timing>
     <p:tnLst>
       <p:par>
-        <p:cTn xmlns:p14="http://schemas.microsoft.com/office/powerpoint/2010/main" id="1" dur="indefinite" restart="never" nodeType="tmRoot"/>
+        <p:cTn id="1" dur="indefinite" restart="never" nodeType="tmRoot"/>
       </p:par>
     </p:tnLst>
   </p:timing>
@@ -6434,14 +6512,14 @@
           </a:ln>
           <a:extLst>
             <a:ext uri="{909E8E84-426E-40dd-AFC4-6F175D3DCCD1}">
-              <a14:hiddenFill xmlns:a14="http://schemas.microsoft.com/office/drawing/2010/main">
+              <a14:hiddenFill xmlns:a14="http://schemas.microsoft.com/office/drawing/2010/main" xmlns="">
                 <a:solidFill>
                   <a:srgbClr val="FFFFFF"/>
                 </a:solidFill>
               </a14:hiddenFill>
             </a:ext>
             <a:ext uri="{91240B29-F687-4f45-9708-019B960494DF}">
-              <a14:hiddenLine xmlns:a14="http://schemas.microsoft.com/office/drawing/2010/main" w="9525">
+              <a14:hiddenLine xmlns:a14="http://schemas.microsoft.com/office/drawing/2010/main" xmlns="" w="9525">
                 <a:solidFill>
                   <a:srgbClr val="000000"/>
                 </a:solidFill>
@@ -6563,13 +6641,13 @@
   <p:clrMapOvr>
     <a:masterClrMapping/>
   </p:clrMapOvr>
-  <p:transition xmlns:p14="http://schemas.microsoft.com/office/powerpoint/2010/main" spd="med">
+  <p:transition spd="med">
     <p:fade/>
   </p:transition>
   <p:timing>
     <p:tnLst>
       <p:par>
-        <p:cTn xmlns:p14="http://schemas.microsoft.com/office/powerpoint/2010/main" id="1" dur="indefinite" restart="never" nodeType="tmRoot"/>
+        <p:cTn id="1" dur="indefinite" restart="never" nodeType="tmRoot"/>
       </p:par>
     </p:tnLst>
   </p:timing>
@@ -6721,13 +6799,13 @@
   <p:clrMapOvr>
     <a:masterClrMapping/>
   </p:clrMapOvr>
-  <p:transition xmlns:p14="http://schemas.microsoft.com/office/powerpoint/2010/main" spd="med">
+  <p:transition spd="med">
     <p:fade/>
   </p:transition>
   <p:timing>
     <p:tnLst>
       <p:par>
-        <p:cTn xmlns:p14="http://schemas.microsoft.com/office/powerpoint/2010/main" id="1" dur="indefinite" restart="never" nodeType="tmRoot"/>
+        <p:cTn id="1" dur="indefinite" restart="never" nodeType="tmRoot"/>
       </p:par>
     </p:tnLst>
   </p:timing>
@@ -6857,13 +6935,13 @@
   <p:clrMapOvr>
     <a:masterClrMapping/>
   </p:clrMapOvr>
-  <p:transition xmlns:p14="http://schemas.microsoft.com/office/powerpoint/2010/main" spd="med">
+  <p:transition spd="med">
     <p:fade/>
   </p:transition>
   <p:timing>
     <p:tnLst>
       <p:par>
-        <p:cTn xmlns:p14="http://schemas.microsoft.com/office/powerpoint/2010/main" id="1" dur="indefinite" restart="never" nodeType="tmRoot"/>
+        <p:cTn id="1" dur="indefinite" restart="never" nodeType="tmRoot"/>
       </p:par>
     </p:tnLst>
   </p:timing>
@@ -6941,13 +7019,13 @@
   <p:clrMapOvr>
     <a:masterClrMapping/>
   </p:clrMapOvr>
-  <p:transition xmlns:p14="http://schemas.microsoft.com/office/powerpoint/2010/main" spd="med">
+  <p:transition spd="med">
     <p:fade/>
   </p:transition>
   <p:timing>
     <p:tnLst>
       <p:par>
-        <p:cTn xmlns:p14="http://schemas.microsoft.com/office/powerpoint/2010/main" id="1" dur="indefinite" restart="never" nodeType="tmRoot"/>
+        <p:cTn id="1" dur="indefinite" restart="never" nodeType="tmRoot"/>
       </p:par>
     </p:tnLst>
   </p:timing>
@@ -7013,11 +7091,11 @@
   <p:clrMapOvr>
     <a:masterClrMapping/>
   </p:clrMapOvr>
-  <p:transition xmlns:p14="http://schemas.microsoft.com/office/powerpoint/2010/main"/>
+  <p:transition/>
   <p:timing>
     <p:tnLst>
       <p:par>
-        <p:cTn xmlns:p14="http://schemas.microsoft.com/office/powerpoint/2010/main" id="1" dur="indefinite" restart="never" nodeType="tmRoot"/>
+        <p:cTn id="1" dur="indefinite" restart="never" nodeType="tmRoot"/>
       </p:par>
     </p:tnLst>
   </p:timing>
@@ -7149,11 +7227,11 @@
   <p:clrMapOvr>
     <a:masterClrMapping/>
   </p:clrMapOvr>
-  <p:transition xmlns:p14="http://schemas.microsoft.com/office/powerpoint/2010/main"/>
+  <p:transition/>
   <p:timing>
     <p:tnLst>
       <p:par>
-        <p:cTn xmlns:p14="http://schemas.microsoft.com/office/powerpoint/2010/main" id="1" dur="indefinite" restart="never" nodeType="tmRoot">
+        <p:cTn id="1" dur="indefinite" restart="never" nodeType="tmRoot">
           <p:childTnLst>
             <p:seq concurrent="1" nextAc="seek">
               <p:cTn id="2" dur="indefinite" nodeType="mainSeq">
@@ -7334,11 +7412,11 @@
   <p:clrMapOvr>
     <a:masterClrMapping/>
   </p:clrMapOvr>
-  <p:transition xmlns:p14="http://schemas.microsoft.com/office/powerpoint/2010/main"/>
+  <p:transition/>
   <p:timing>
     <p:tnLst>
       <p:par>
-        <p:cTn xmlns:p14="http://schemas.microsoft.com/office/powerpoint/2010/main" id="1" dur="indefinite" restart="never" nodeType="tmRoot"/>
+        <p:cTn id="1" dur="indefinite" restart="never" nodeType="tmRoot"/>
       </p:par>
     </p:tnLst>
   </p:timing>
@@ -7413,13 +7491,13 @@
   <p:clrMapOvr>
     <a:masterClrMapping/>
   </p:clrMapOvr>
-  <p:transition xmlns:p14="http://schemas.microsoft.com/office/powerpoint/2010/main" spd="med">
+  <p:transition spd="med">
     <p:fade/>
   </p:transition>
   <p:timing>
     <p:tnLst>
       <p:par>
-        <p:cTn xmlns:p14="http://schemas.microsoft.com/office/powerpoint/2010/main" id="1" dur="indefinite" restart="never" nodeType="tmRoot"/>
+        <p:cTn id="1" dur="indefinite" restart="never" nodeType="tmRoot"/>
       </p:par>
     </p:tnLst>
   </p:timing>
@@ -7471,11 +7549,11 @@
   <p:clrMapOvr>
     <a:masterClrMapping/>
   </p:clrMapOvr>
-  <p:transition xmlns:p14="http://schemas.microsoft.com/office/powerpoint/2010/main"/>
+  <p:transition/>
   <p:timing>
     <p:tnLst>
       <p:par>
-        <p:cTn xmlns:p14="http://schemas.microsoft.com/office/powerpoint/2010/main" id="1" dur="indefinite" restart="never" nodeType="tmRoot"/>
+        <p:cTn id="1" dur="indefinite" restart="never" nodeType="tmRoot"/>
       </p:par>
     </p:tnLst>
   </p:timing>
@@ -7592,13 +7670,13 @@
   <p:clrMapOvr>
     <a:masterClrMapping/>
   </p:clrMapOvr>
-  <p:transition xmlns:p14="http://schemas.microsoft.com/office/powerpoint/2010/main" spd="med">
+  <p:transition spd="med">
     <p:fade/>
   </p:transition>
   <p:timing>
     <p:tnLst>
       <p:par>
-        <p:cTn xmlns:p14="http://schemas.microsoft.com/office/powerpoint/2010/main" id="1" dur="indefinite" restart="never" nodeType="tmRoot">
+        <p:cTn id="1" dur="indefinite" restart="never" nodeType="tmRoot">
           <p:childTnLst>
             <p:seq concurrent="1" nextAc="seek">
               <p:cTn id="2" dur="indefinite" nodeType="mainSeq">
@@ -8097,13 +8175,13 @@
   <p:clrMapOvr>
     <a:masterClrMapping/>
   </p:clrMapOvr>
-  <p:transition xmlns:p14="http://schemas.microsoft.com/office/powerpoint/2010/main" spd="med">
+  <p:transition spd="med">
     <p:fade/>
   </p:transition>
   <p:timing>
     <p:tnLst>
       <p:par>
-        <p:cTn xmlns:p14="http://schemas.microsoft.com/office/powerpoint/2010/main" id="1" dur="indefinite" restart="never" nodeType="tmRoot">
+        <p:cTn id="1" dur="indefinite" restart="never" nodeType="tmRoot">
           <p:childTnLst>
             <p:seq concurrent="1" nextAc="seek">
               <p:cTn id="2" dur="indefinite" nodeType="mainSeq">
@@ -8539,13 +8617,13 @@
   <p:clrMapOvr>
     <a:masterClrMapping/>
   </p:clrMapOvr>
-  <p:transition xmlns:p14="http://schemas.microsoft.com/office/powerpoint/2010/main" spd="med">
+  <p:transition spd="med">
     <p:fade/>
   </p:transition>
   <p:timing>
     <p:tnLst>
       <p:par>
-        <p:cTn xmlns:p14="http://schemas.microsoft.com/office/powerpoint/2010/main" id="1" dur="indefinite" restart="never" nodeType="tmRoot">
+        <p:cTn id="1" dur="indefinite" restart="never" nodeType="tmRoot">
           <p:childTnLst>
             <p:seq concurrent="1" nextAc="seek">
               <p:cTn id="2" dur="indefinite" nodeType="mainSeq">
@@ -8906,13 +8984,13 @@
   <p:clrMapOvr>
     <a:masterClrMapping/>
   </p:clrMapOvr>
-  <p:transition xmlns:p14="http://schemas.microsoft.com/office/powerpoint/2010/main" spd="med">
+  <p:transition spd="med">
     <p:fade/>
   </p:transition>
   <p:timing>
     <p:tnLst>
       <p:par>
-        <p:cTn xmlns:p14="http://schemas.microsoft.com/office/powerpoint/2010/main" id="1" dur="indefinite" restart="never" nodeType="tmRoot">
+        <p:cTn id="1" dur="indefinite" restart="never" nodeType="tmRoot">
           <p:childTnLst>
             <p:seq concurrent="1" nextAc="seek">
               <p:cTn id="2" dur="indefinite" nodeType="mainSeq">
@@ -9159,11 +9237,11 @@
   <p:clrMapOvr>
     <a:masterClrMapping/>
   </p:clrMapOvr>
-  <p:transition xmlns:p14="http://schemas.microsoft.com/office/powerpoint/2010/main"/>
+  <p:transition/>
   <p:timing>
     <p:tnLst>
       <p:par>
-        <p:cTn xmlns:p14="http://schemas.microsoft.com/office/powerpoint/2010/main" id="1" dur="indefinite" restart="never" nodeType="tmRoot"/>
+        <p:cTn id="1" dur="indefinite" restart="never" nodeType="tmRoot"/>
       </p:par>
     </p:tnLst>
   </p:timing>
@@ -9224,13 +9302,13 @@
   <p:clrMapOvr>
     <a:masterClrMapping/>
   </p:clrMapOvr>
-  <p:transition xmlns:p14="http://schemas.microsoft.com/office/powerpoint/2010/main" spd="med">
+  <p:transition spd="med">
     <p:fade/>
   </p:transition>
   <p:timing>
     <p:tnLst>
       <p:par>
-        <p:cTn xmlns:p14="http://schemas.microsoft.com/office/powerpoint/2010/main" id="1" dur="indefinite" restart="never" nodeType="tmRoot"/>
+        <p:cTn id="1" dur="indefinite" restart="never" nodeType="tmRoot"/>
       </p:par>
     </p:tnLst>
   </p:timing>
@@ -9356,13 +9434,13 @@
   <p:clrMapOvr>
     <a:masterClrMapping/>
   </p:clrMapOvr>
-  <p:transition xmlns:p14="http://schemas.microsoft.com/office/powerpoint/2010/main" spd="med">
+  <p:transition spd="med">
     <p:fade/>
   </p:transition>
   <p:timing>
     <p:tnLst>
       <p:par>
-        <p:cTn xmlns:p14="http://schemas.microsoft.com/office/powerpoint/2010/main" id="1" dur="indefinite" restart="never" nodeType="tmRoot"/>
+        <p:cTn id="1" dur="indefinite" restart="never" nodeType="tmRoot"/>
       </p:par>
     </p:tnLst>
   </p:timing>

--- a/Agile Business Analysis/08-Advanced Topics.pptx
+++ b/Agile Business Analysis/08-Advanced Topics.pptx
@@ -371,7 +371,7 @@
             <a:fld id="{3645A85B-5EE2-224D-892B-EBDEE738041D}" type="datetime1">
               <a:rPr lang="en-US"/>
               <a:pPr/>
-              <a:t>10/5/15</a:t>
+              <a:t>12/21/15</a:t>
             </a:fld>
             <a:endParaRPr lang="en-US"/>
           </a:p>
@@ -614,7 +614,7 @@
             <a:fld id="{357A0049-9727-1C49-9F90-B954D42273FA}" type="datetime1">
               <a:rPr lang="en-US"/>
               <a:pPr/>
-              <a:t>10/5/15</a:t>
+              <a:t>12/21/15</a:t>
             </a:fld>
             <a:endParaRPr lang="en-US"/>
           </a:p>
@@ -6512,14 +6512,14 @@
           </a:ln>
           <a:extLst>
             <a:ext uri="{909E8E84-426E-40dd-AFC4-6F175D3DCCD1}">
-              <a14:hiddenFill xmlns:a14="http://schemas.microsoft.com/office/drawing/2010/main" xmlns="">
+              <a14:hiddenFill xmlns="" xmlns:a14="http://schemas.microsoft.com/office/drawing/2010/main">
                 <a:solidFill>
                   <a:srgbClr val="FFFFFF"/>
                 </a:solidFill>
               </a14:hiddenFill>
             </a:ext>
             <a:ext uri="{91240B29-F687-4f45-9708-019B960494DF}">
-              <a14:hiddenLine xmlns:a14="http://schemas.microsoft.com/office/drawing/2010/main" xmlns="" w="9525">
+              <a14:hiddenLine xmlns="" xmlns:a14="http://schemas.microsoft.com/office/drawing/2010/main" w="9525">
                 <a:solidFill>
                   <a:srgbClr val="000000"/>
                 </a:solidFill>
